--- a/data/notes/HackathonDataProgress_FINAL.pptx
+++ b/data/notes/HackathonDataProgress_FINAL.pptx
@@ -14570,8 +14570,8 @@
         </p:nvSpPr>
         <p:spPr>
           <a:xfrm>
-            <a:off x="1403131" y="5785945"/>
-            <a:ext cx="6321972" cy="369332"/>
+            <a:off x="2154076" y="5257800"/>
+            <a:ext cx="4583601" cy="646331"/>
           </a:xfrm>
           <a:prstGeom prst="rect">
             <a:avLst/>
@@ -14584,6 +14584,7 @@
           </a:bodyPr>
           <a:lstStyle/>
           <a:p>
+            <a:pPr algn="ctr"/>
             <a:r>
               <a:rPr lang="nl-NL" dirty="0" err="1">
                 <a:solidFill>
@@ -14630,7 +14631,23 @@
                   <a:schemeClr val="bg1"/>
                 </a:solidFill>
               </a:rPr>
-              <a:t> slideshow 1 second </a:t>
+              <a:t> slideshow </a:t>
+            </a:r>
+            <a:r>
+              <a:rPr lang="nl-NL" dirty="0" err="1">
+                <a:solidFill>
+                  <a:schemeClr val="bg1"/>
+                </a:solidFill>
+              </a:rPr>
+              <a:t>just</a:t>
+            </a:r>
+            <a:r>
+              <a:rPr lang="nl-NL" dirty="0">
+                <a:solidFill>
+                  <a:schemeClr val="bg1"/>
+                </a:solidFill>
+              </a:rPr>
+              <a:t> second </a:t>
             </a:r>
             <a:r>
               <a:rPr lang="nl-NL" dirty="0" err="1">
@@ -14646,7 +14663,39 @@
                   <a:schemeClr val="bg1"/>
                 </a:solidFill>
               </a:rPr>
-              <a:t> presenting</a:t>
+              <a:t> </a:t>
+            </a:r>
+            <a:r>
+              <a:rPr lang="nl-NL" dirty="0" err="1">
+                <a:solidFill>
+                  <a:schemeClr val="bg1"/>
+                </a:solidFill>
+              </a:rPr>
+              <a:t>having</a:t>
+            </a:r>
+            <a:r>
+              <a:rPr lang="nl-NL" dirty="0">
+                <a:solidFill>
+                  <a:schemeClr val="bg1"/>
+                </a:solidFill>
+              </a:rPr>
+              <a:t> </a:t>
+            </a:r>
+            <a:r>
+              <a:rPr lang="nl-NL" dirty="0" err="1">
+                <a:solidFill>
+                  <a:schemeClr val="bg1"/>
+                </a:solidFill>
+              </a:rPr>
+              <a:t>to</a:t>
+            </a:r>
+            <a:r>
+              <a:rPr lang="nl-NL" dirty="0">
+                <a:solidFill>
+                  <a:schemeClr val="bg1"/>
+                </a:solidFill>
+              </a:rPr>
+              <a:t> present</a:t>
             </a:r>
           </a:p>
         </p:txBody>
@@ -14846,7 +14895,7 @@
         </p:nvSpPr>
         <p:spPr>
           <a:xfrm>
-            <a:off x="3778469" y="5057368"/>
+            <a:off x="1570107" y="5316160"/>
             <a:ext cx="1947041" cy="369332"/>
           </a:xfrm>
           <a:prstGeom prst="rect">
